--- a/course/spring_lecture3.pptx
+++ b/course/spring_lecture3.pptx
@@ -403,7 +403,7 @@
           <a:p>
             <a:fld id="{55819C6C-1328-47A7-9531-77311B1A3D98}" type="datetimeFigureOut">
               <a:rPr lang="en-GB" smtClean="0"/>
-              <a:t>26/07/2016</a:t>
+              <a:t>27/07/2016</a:t>
             </a:fld>
             <a:endParaRPr lang="en-GB"/>
           </a:p>
@@ -611,7 +611,7 @@
           <a:p>
             <a:fld id="{55819C6C-1328-47A7-9531-77311B1A3D98}" type="datetimeFigureOut">
               <a:rPr lang="en-GB" smtClean="0"/>
-              <a:t>26/07/2016</a:t>
+              <a:t>27/07/2016</a:t>
             </a:fld>
             <a:endParaRPr lang="en-GB"/>
           </a:p>
@@ -867,7 +867,7 @@
           <a:p>
             <a:fld id="{55819C6C-1328-47A7-9531-77311B1A3D98}" type="datetimeFigureOut">
               <a:rPr lang="en-GB" smtClean="0"/>
-              <a:t>26/07/2016</a:t>
+              <a:t>27/07/2016</a:t>
             </a:fld>
             <a:endParaRPr lang="en-GB"/>
           </a:p>
@@ -1041,7 +1041,7 @@
           <a:p>
             <a:fld id="{55819C6C-1328-47A7-9531-77311B1A3D98}" type="datetimeFigureOut">
               <a:rPr lang="en-GB" smtClean="0"/>
-              <a:t>26/07/2016</a:t>
+              <a:t>27/07/2016</a:t>
             </a:fld>
             <a:endParaRPr lang="en-GB"/>
           </a:p>
@@ -1384,7 +1384,7 @@
           <a:p>
             <a:fld id="{55819C6C-1328-47A7-9531-77311B1A3D98}" type="datetimeFigureOut">
               <a:rPr lang="en-GB" smtClean="0"/>
-              <a:t>26/07/2016</a:t>
+              <a:t>27/07/2016</a:t>
             </a:fld>
             <a:endParaRPr lang="en-GB"/>
           </a:p>
@@ -1659,7 +1659,7 @@
           <a:p>
             <a:fld id="{55819C6C-1328-47A7-9531-77311B1A3D98}" type="datetimeFigureOut">
               <a:rPr lang="en-GB" smtClean="0"/>
-              <a:t>26/07/2016</a:t>
+              <a:t>27/07/2016</a:t>
             </a:fld>
             <a:endParaRPr lang="en-GB"/>
           </a:p>
@@ -2038,7 +2038,7 @@
           <a:p>
             <a:fld id="{55819C6C-1328-47A7-9531-77311B1A3D98}" type="datetimeFigureOut">
               <a:rPr lang="en-GB" smtClean="0"/>
-              <a:t>26/07/2016</a:t>
+              <a:t>27/07/2016</a:t>
             </a:fld>
             <a:endParaRPr lang="en-GB"/>
           </a:p>
@@ -2156,7 +2156,7 @@
           <a:p>
             <a:fld id="{55819C6C-1328-47A7-9531-77311B1A3D98}" type="datetimeFigureOut">
               <a:rPr lang="en-GB" smtClean="0"/>
-              <a:t>26/07/2016</a:t>
+              <a:t>27/07/2016</a:t>
             </a:fld>
             <a:endParaRPr lang="en-GB"/>
           </a:p>
@@ -2327,7 +2327,7 @@
           <a:p>
             <a:fld id="{55819C6C-1328-47A7-9531-77311B1A3D98}" type="datetimeFigureOut">
               <a:rPr lang="en-GB" smtClean="0"/>
-              <a:t>26/07/2016</a:t>
+              <a:t>27/07/2016</a:t>
             </a:fld>
             <a:endParaRPr lang="en-GB"/>
           </a:p>
@@ -2681,7 +2681,7 @@
           <a:p>
             <a:fld id="{55819C6C-1328-47A7-9531-77311B1A3D98}" type="datetimeFigureOut">
               <a:rPr lang="en-GB" smtClean="0"/>
-              <a:t>26/07/2016</a:t>
+              <a:t>27/07/2016</a:t>
             </a:fld>
             <a:endParaRPr lang="en-GB"/>
           </a:p>
@@ -3063,7 +3063,7 @@
           <a:p>
             <a:fld id="{55819C6C-1328-47A7-9531-77311B1A3D98}" type="datetimeFigureOut">
               <a:rPr lang="en-GB" smtClean="0"/>
-              <a:t>26/07/2016</a:t>
+              <a:t>27/07/2016</a:t>
             </a:fld>
             <a:endParaRPr lang="en-GB"/>
           </a:p>
@@ -3350,7 +3350,7 @@
           <a:p>
             <a:fld id="{55819C6C-1328-47A7-9531-77311B1A3D98}" type="datetimeFigureOut">
               <a:rPr lang="en-GB" smtClean="0"/>
-              <a:t>26/07/2016</a:t>
+              <a:t>27/07/2016</a:t>
             </a:fld>
             <a:endParaRPr lang="en-GB"/>
           </a:p>
@@ -3910,7 +3910,7 @@
         </p:nvSpPr>
         <p:spPr>
           <a:xfrm>
-            <a:off x="4080359" y="4352318"/>
+            <a:off x="4148093" y="4250717"/>
             <a:ext cx="3976410" cy="369332"/>
           </a:xfrm>
           <a:prstGeom prst="rect">
@@ -4335,7 +4335,7 @@
       </p:sp>
       <p:pic>
         <p:nvPicPr>
-          <p:cNvPr id="5" name="Picture 4"/>
+          <p:cNvPr id="4" name="Picture 3"/>
           <p:cNvPicPr>
             <a:picLocks noChangeAspect="1"/>
           </p:cNvPicPr>
@@ -4349,8 +4349,8 @@
         </p:blipFill>
         <p:spPr>
           <a:xfrm>
-            <a:off x="2752073" y="2406649"/>
-            <a:ext cx="6687853" cy="3926417"/>
+            <a:off x="2569598" y="2120723"/>
+            <a:ext cx="7113763" cy="4175029"/>
           </a:xfrm>
           <a:prstGeom prst="rect">
             <a:avLst/>
@@ -5280,7 +5280,7 @@
       </p:sp>
       <p:pic>
         <p:nvPicPr>
-          <p:cNvPr id="4" name="Picture 3"/>
+          <p:cNvPr id="3" name="Picture 2"/>
           <p:cNvPicPr>
             <a:picLocks noChangeAspect="1"/>
           </p:cNvPicPr>
@@ -5294,8 +5294,8 @@
         </p:blipFill>
         <p:spPr>
           <a:xfrm>
-            <a:off x="2148415" y="1836221"/>
-            <a:ext cx="7956130" cy="4918747"/>
+            <a:off x="1189422" y="1817513"/>
+            <a:ext cx="7223798" cy="4464048"/>
           </a:xfrm>
           <a:prstGeom prst="rect">
             <a:avLst/>
@@ -5497,7 +5497,7 @@
       </p:sp>
       <p:pic>
         <p:nvPicPr>
-          <p:cNvPr id="4" name="Picture 3"/>
+          <p:cNvPr id="3" name="Picture 2"/>
           <p:cNvPicPr>
             <a:picLocks noChangeAspect="1"/>
           </p:cNvPicPr>
@@ -5511,8 +5511,8 @@
         </p:blipFill>
         <p:spPr>
           <a:xfrm>
-            <a:off x="2435292" y="1818446"/>
-            <a:ext cx="7249622" cy="4428037"/>
+            <a:off x="1209146" y="1845380"/>
+            <a:ext cx="7267575" cy="4476750"/>
           </a:xfrm>
           <a:prstGeom prst="rect">
             <a:avLst/>
@@ -5926,7 +5926,7 @@
         </p:blipFill>
         <p:spPr>
           <a:xfrm>
-            <a:off x="2857321" y="1841679"/>
+            <a:off x="1254299" y="1819101"/>
             <a:ext cx="7517168" cy="4478708"/>
           </a:xfrm>
           <a:prstGeom prst="rect">
@@ -6010,7 +6010,7 @@
         </p:blipFill>
         <p:spPr>
           <a:xfrm>
-            <a:off x="2638997" y="1841679"/>
+            <a:off x="1239175" y="1841679"/>
             <a:ext cx="7581239" cy="4416976"/>
           </a:xfrm>
           <a:prstGeom prst="rect">
@@ -6094,7 +6094,7 @@
         </p:blipFill>
         <p:spPr>
           <a:xfrm>
-            <a:off x="1024350" y="2197098"/>
+            <a:off x="1097280" y="2185809"/>
             <a:ext cx="10143300" cy="3650545"/>
           </a:xfrm>
           <a:prstGeom prst="rect">
@@ -6862,7 +6862,7 @@
         </p:blipFill>
         <p:spPr>
           <a:xfrm>
-            <a:off x="2717441" y="1817812"/>
+            <a:off x="1283752" y="1817813"/>
             <a:ext cx="7631735" cy="4463493"/>
           </a:xfrm>
           <a:prstGeom prst="rect">
@@ -7068,7 +7068,7 @@
         </p:blipFill>
         <p:spPr>
           <a:xfrm>
-            <a:off x="2560460" y="2047521"/>
+            <a:off x="1239660" y="2047521"/>
             <a:ext cx="7859184" cy="3831841"/>
           </a:xfrm>
           <a:prstGeom prst="rect">
@@ -7152,7 +7152,7 @@
         </p:blipFill>
         <p:spPr>
           <a:xfrm>
-            <a:off x="2691684" y="1870412"/>
+            <a:off x="1257995" y="1847835"/>
             <a:ext cx="7361628" cy="4305519"/>
           </a:xfrm>
           <a:prstGeom prst="rect">
@@ -7236,7 +7236,7 @@
         </p:blipFill>
         <p:spPr>
           <a:xfrm>
-            <a:off x="1619426" y="2093736"/>
+            <a:off x="1269470" y="1958269"/>
             <a:ext cx="9967451" cy="3494264"/>
           </a:xfrm>
           <a:prstGeom prst="rect">
@@ -7540,7 +7540,7 @@
         </p:nvSpPr>
         <p:spPr>
           <a:xfrm>
-            <a:off x="860778" y="2668058"/>
+            <a:off x="860778" y="2363258"/>
             <a:ext cx="10515600" cy="1325563"/>
           </a:xfrm>
         </p:spPr>
@@ -7794,7 +7794,7 @@
         </p:blipFill>
         <p:spPr>
           <a:xfrm>
-            <a:off x="1057326" y="2124603"/>
+            <a:off x="1097280" y="1977847"/>
             <a:ext cx="10296474" cy="3519841"/>
           </a:xfrm>
           <a:prstGeom prst="rect">
@@ -8022,7 +8022,7 @@
         </p:blipFill>
         <p:spPr>
           <a:xfrm>
-            <a:off x="2207879" y="2244742"/>
+            <a:off x="1180590" y="2154590"/>
             <a:ext cx="8269641" cy="3910612"/>
           </a:xfrm>
           <a:prstGeom prst="rect">
@@ -8136,7 +8136,7 @@
         </p:blipFill>
         <p:spPr>
           <a:xfrm>
-            <a:off x="2362552" y="2211034"/>
+            <a:off x="1188508" y="2211033"/>
             <a:ext cx="7105650" cy="4067175"/>
           </a:xfrm>
           <a:prstGeom prst="rect">
@@ -8234,7 +8234,7 @@
       </p:sp>
       <p:pic>
         <p:nvPicPr>
-          <p:cNvPr id="4" name="Picture 3"/>
+          <p:cNvPr id="5" name="Picture 4"/>
           <p:cNvPicPr>
             <a:picLocks noChangeAspect="1"/>
           </p:cNvPicPr>
@@ -8248,8 +8248,8 @@
         </p:blipFill>
         <p:spPr>
           <a:xfrm>
-            <a:off x="2228044" y="2244901"/>
-            <a:ext cx="7977428" cy="3884402"/>
+            <a:off x="1183216" y="2244900"/>
+            <a:ext cx="7048500" cy="3905250"/>
           </a:xfrm>
           <a:prstGeom prst="rect">
             <a:avLst/>
@@ -8659,7 +8659,7 @@
         </p:blipFill>
         <p:spPr>
           <a:xfrm>
-            <a:off x="2421228" y="1850903"/>
+            <a:off x="1224605" y="1850903"/>
             <a:ext cx="7752286" cy="4488658"/>
           </a:xfrm>
           <a:prstGeom prst="rect">
@@ -8925,7 +8925,7 @@
         </p:blipFill>
         <p:spPr>
           <a:xfrm>
-            <a:off x="2499342" y="1841679"/>
+            <a:off x="1234987" y="1852968"/>
             <a:ext cx="7313700" cy="4493327"/>
           </a:xfrm>
           <a:prstGeom prst="rect">
@@ -9320,7 +9320,7 @@
       </p:sp>
       <p:pic>
         <p:nvPicPr>
-          <p:cNvPr id="4" name="Picture 3"/>
+          <p:cNvPr id="3" name="Picture 2"/>
           <p:cNvPicPr>
             <a:picLocks noChangeAspect="1"/>
           </p:cNvPicPr>
@@ -9334,8 +9334,8 @@
         </p:blipFill>
         <p:spPr>
           <a:xfrm>
-            <a:off x="2722043" y="1828800"/>
-            <a:ext cx="7182764" cy="4443211"/>
+            <a:off x="1285875" y="1819275"/>
+            <a:ext cx="7181850" cy="4438650"/>
           </a:xfrm>
           <a:prstGeom prst="rect">
             <a:avLst/>
@@ -9543,7 +9543,7 @@
         </p:blipFill>
         <p:spPr>
           <a:xfrm>
-            <a:off x="2047741" y="1845234"/>
+            <a:off x="1257518" y="1833945"/>
             <a:ext cx="8908098" cy="4432269"/>
           </a:xfrm>
           <a:prstGeom prst="rect">
@@ -9900,7 +9900,7 @@
         </p:blipFill>
         <p:spPr>
           <a:xfrm>
-            <a:off x="2794714" y="1836851"/>
+            <a:off x="1191692" y="1848140"/>
             <a:ext cx="7109519" cy="4448901"/>
           </a:xfrm>
           <a:prstGeom prst="rect">
@@ -10018,7 +10018,7 @@
         </p:blipFill>
         <p:spPr>
           <a:xfrm>
-            <a:off x="2704447" y="3307114"/>
+            <a:off x="1293337" y="3149070"/>
             <a:ext cx="7301266" cy="2552739"/>
           </a:xfrm>
           <a:prstGeom prst="rect">
@@ -10202,7 +10202,7 @@
         </p:blipFill>
         <p:spPr>
           <a:xfrm>
-            <a:off x="1745721" y="1956857"/>
+            <a:off x="1271587" y="1934279"/>
             <a:ext cx="9284797" cy="4139142"/>
           </a:xfrm>
           <a:prstGeom prst="rect">
@@ -10298,7 +10298,7 @@
         </p:blipFill>
         <p:spPr>
           <a:xfrm>
-            <a:off x="1588872" y="1820686"/>
+            <a:off x="1182472" y="1843264"/>
             <a:ext cx="9014255" cy="4196291"/>
           </a:xfrm>
           <a:prstGeom prst="rect">
@@ -10382,7 +10382,7 @@
         </p:blipFill>
         <p:spPr>
           <a:xfrm>
-            <a:off x="1544460" y="1859314"/>
+            <a:off x="1228371" y="1893180"/>
             <a:ext cx="9276017" cy="4349575"/>
           </a:xfrm>
           <a:prstGeom prst="rect">
